--- a/src/figures/powerpoint/pg.pptx
+++ b/src/figures/powerpoint/pg.pptx
@@ -104,6 +104,11 @@
       </a:defRPr>
     </a:lvl9pPr>
   </p:defaultTextStyle>
+  <p:extLst>
+    <p:ext uri="{EFAFB233-063F-42B5-8137-9DF3F51BA10A}">
+      <p15:sldGuideLst xmlns:p15="http://schemas.microsoft.com/office/powerpoint/2012/main"/>
+    </p:ext>
+  </p:extLst>
 </p:presentation>
 </file>
 
@@ -3657,22 +3662,13 @@
           <a:p>
             <a:pPr algn="ctr"/>
             <a:r>
-              <a:rPr lang="hu-HU" dirty="0">
-                <a:solidFill>
-                  <a:schemeClr val="bg1"/>
-                </a:solidFill>
-                <a:latin typeface="+mj-lt"/>
-              </a:rPr>
-              <a:t>.</a:t>
-            </a:r>
-            <a:r>
               <a:rPr lang="hu-HU" dirty="0" smtClean="0">
                 <a:solidFill>
                   <a:schemeClr val="tx1"/>
                 </a:solidFill>
                 <a:latin typeface="+mj-lt"/>
               </a:rPr>
-              <a:t>1.</a:t>
+              <a:t>1</a:t>
             </a:r>
             <a:endParaRPr lang="en-US" dirty="0">
               <a:solidFill>
@@ -3730,20 +3726,11 @@
             <a:r>
               <a:rPr lang="hu-HU" dirty="0" smtClean="0">
                 <a:solidFill>
-                  <a:schemeClr val="bg1"/>
-                </a:solidFill>
-                <a:latin typeface="+mj-lt"/>
-              </a:rPr>
-              <a:t>.</a:t>
-            </a:r>
-            <a:r>
-              <a:rPr lang="hu-HU" dirty="0" smtClean="0">
-                <a:solidFill>
                   <a:schemeClr val="tx1"/>
                 </a:solidFill>
                 <a:latin typeface="+mj-lt"/>
               </a:rPr>
-              <a:t>2.</a:t>
+              <a:t>2</a:t>
             </a:r>
             <a:endParaRPr lang="en-US" dirty="0">
               <a:solidFill>
@@ -3801,20 +3788,11 @@
             <a:r>
               <a:rPr lang="hu-HU" dirty="0" smtClean="0">
                 <a:solidFill>
-                  <a:schemeClr val="bg1"/>
-                </a:solidFill>
-                <a:latin typeface="+mj-lt"/>
-              </a:rPr>
-              <a:t>.</a:t>
-            </a:r>
-            <a:r>
-              <a:rPr lang="hu-HU" dirty="0" smtClean="0">
-                <a:solidFill>
                   <a:schemeClr val="tx1"/>
                 </a:solidFill>
                 <a:latin typeface="+mj-lt"/>
               </a:rPr>
-              <a:t>3.</a:t>
+              <a:t>3</a:t>
             </a:r>
             <a:endParaRPr lang="en-US" dirty="0">
               <a:solidFill>
@@ -3872,20 +3850,11 @@
             <a:r>
               <a:rPr lang="hu-HU" dirty="0" smtClean="0">
                 <a:solidFill>
-                  <a:schemeClr val="bg1"/>
-                </a:solidFill>
-                <a:latin typeface="+mj-lt"/>
-              </a:rPr>
-              <a:t>.</a:t>
-            </a:r>
-            <a:r>
-              <a:rPr lang="hu-HU" dirty="0" smtClean="0">
-                <a:solidFill>
                   <a:schemeClr val="tx1"/>
                 </a:solidFill>
                 <a:latin typeface="+mj-lt"/>
               </a:rPr>
-              <a:t>4.</a:t>
+              <a:t>4</a:t>
             </a:r>
             <a:endParaRPr lang="en-US" dirty="0">
               <a:solidFill>
@@ -3943,20 +3912,11 @@
             <a:r>
               <a:rPr lang="hu-HU" dirty="0" smtClean="0">
                 <a:solidFill>
-                  <a:schemeClr val="bg1"/>
-                </a:solidFill>
-                <a:latin typeface="+mj-lt"/>
-              </a:rPr>
-              <a:t>.</a:t>
-            </a:r>
-            <a:r>
-              <a:rPr lang="hu-HU" dirty="0" smtClean="0">
-                <a:solidFill>
                   <a:schemeClr val="tx1"/>
                 </a:solidFill>
                 <a:latin typeface="+mj-lt"/>
               </a:rPr>
-              <a:t>5.</a:t>
+              <a:t>5</a:t>
             </a:r>
             <a:endParaRPr lang="en-US" dirty="0">
               <a:solidFill>

--- a/src/figures/powerpoint/pg.pptx
+++ b/src/figures/powerpoint/pg.pptx
@@ -243,7 +243,7 @@
           <a:p>
             <a:fld id="{C659200E-4AE3-42AF-B10D-6DCBF15FA1C9}" type="datetimeFigureOut">
               <a:rPr lang="en-US" smtClean="0"/>
-              <a:t>5/15/2015</a:t>
+              <a:t>5/17/2015</a:t>
             </a:fld>
             <a:endParaRPr lang="en-US"/>
           </a:p>
@@ -413,7 +413,7 @@
           <a:p>
             <a:fld id="{C659200E-4AE3-42AF-B10D-6DCBF15FA1C9}" type="datetimeFigureOut">
               <a:rPr lang="en-US" smtClean="0"/>
-              <a:t>5/15/2015</a:t>
+              <a:t>5/17/2015</a:t>
             </a:fld>
             <a:endParaRPr lang="en-US"/>
           </a:p>
@@ -593,7 +593,7 @@
           <a:p>
             <a:fld id="{C659200E-4AE3-42AF-B10D-6DCBF15FA1C9}" type="datetimeFigureOut">
               <a:rPr lang="en-US" smtClean="0"/>
-              <a:t>5/15/2015</a:t>
+              <a:t>5/17/2015</a:t>
             </a:fld>
             <a:endParaRPr lang="en-US"/>
           </a:p>
@@ -763,7 +763,7 @@
           <a:p>
             <a:fld id="{C659200E-4AE3-42AF-B10D-6DCBF15FA1C9}" type="datetimeFigureOut">
               <a:rPr lang="en-US" smtClean="0"/>
-              <a:t>5/15/2015</a:t>
+              <a:t>5/17/2015</a:t>
             </a:fld>
             <a:endParaRPr lang="en-US"/>
           </a:p>
@@ -1009,7 +1009,7 @@
           <a:p>
             <a:fld id="{C659200E-4AE3-42AF-B10D-6DCBF15FA1C9}" type="datetimeFigureOut">
               <a:rPr lang="en-US" smtClean="0"/>
-              <a:t>5/15/2015</a:t>
+              <a:t>5/17/2015</a:t>
             </a:fld>
             <a:endParaRPr lang="en-US"/>
           </a:p>
@@ -1241,7 +1241,7 @@
           <a:p>
             <a:fld id="{C659200E-4AE3-42AF-B10D-6DCBF15FA1C9}" type="datetimeFigureOut">
               <a:rPr lang="en-US" smtClean="0"/>
-              <a:t>5/15/2015</a:t>
+              <a:t>5/17/2015</a:t>
             </a:fld>
             <a:endParaRPr lang="en-US"/>
           </a:p>
@@ -1608,7 +1608,7 @@
           <a:p>
             <a:fld id="{C659200E-4AE3-42AF-B10D-6DCBF15FA1C9}" type="datetimeFigureOut">
               <a:rPr lang="en-US" smtClean="0"/>
-              <a:t>5/15/2015</a:t>
+              <a:t>5/17/2015</a:t>
             </a:fld>
             <a:endParaRPr lang="en-US"/>
           </a:p>
@@ -1726,7 +1726,7 @@
           <a:p>
             <a:fld id="{C659200E-4AE3-42AF-B10D-6DCBF15FA1C9}" type="datetimeFigureOut">
               <a:rPr lang="en-US" smtClean="0"/>
-              <a:t>5/15/2015</a:t>
+              <a:t>5/17/2015</a:t>
             </a:fld>
             <a:endParaRPr lang="en-US"/>
           </a:p>
@@ -1821,7 +1821,7 @@
           <a:p>
             <a:fld id="{C659200E-4AE3-42AF-B10D-6DCBF15FA1C9}" type="datetimeFigureOut">
               <a:rPr lang="en-US" smtClean="0"/>
-              <a:t>5/15/2015</a:t>
+              <a:t>5/17/2015</a:t>
             </a:fld>
             <a:endParaRPr lang="en-US"/>
           </a:p>
@@ -2098,7 +2098,7 @@
           <a:p>
             <a:fld id="{C659200E-4AE3-42AF-B10D-6DCBF15FA1C9}" type="datetimeFigureOut">
               <a:rPr lang="en-US" smtClean="0"/>
-              <a:t>5/15/2015</a:t>
+              <a:t>5/17/2015</a:t>
             </a:fld>
             <a:endParaRPr lang="en-US"/>
           </a:p>
@@ -2351,7 +2351,7 @@
           <a:p>
             <a:fld id="{C659200E-4AE3-42AF-B10D-6DCBF15FA1C9}" type="datetimeFigureOut">
               <a:rPr lang="en-US" smtClean="0"/>
-              <a:t>5/15/2015</a:t>
+              <a:t>5/17/2015</a:t>
             </a:fld>
             <a:endParaRPr lang="en-US"/>
           </a:p>
@@ -2564,7 +2564,7 @@
           <a:p>
             <a:fld id="{C659200E-4AE3-42AF-B10D-6DCBF15FA1C9}" type="datetimeFigureOut">
               <a:rPr lang="en-US" smtClean="0"/>
-              <a:t>5/15/2015</a:t>
+              <a:t>5/17/2015</a:t>
             </a:fld>
             <a:endParaRPr lang="en-US"/>
           </a:p>
@@ -3025,8 +3025,8 @@
                 <a:solidFill>
                   <a:schemeClr val="tx1"/>
                 </a:solidFill>
-                <a:latin typeface="+mj-lt"/>
-                <a:cs typeface="Clear Sans Light" panose="020B0303030202020304" pitchFamily="34" charset="0"/>
+                <a:latin typeface="Clear Sans" panose="020B0503030202020304" pitchFamily="34" charset="0"/>
+                <a:cs typeface="Clear Sans" panose="020B0503030202020304" pitchFamily="34" charset="0"/>
               </a:rPr>
               <a:t>Viatra</a:t>
             </a:r>
@@ -3035,8 +3035,8 @@
                 <a:solidFill>
                   <a:schemeClr val="tx1"/>
                 </a:solidFill>
-                <a:latin typeface="+mj-lt"/>
-                <a:cs typeface="Clear Sans Light" panose="020B0303030202020304" pitchFamily="34" charset="0"/>
+                <a:latin typeface="Clear Sans" panose="020B0503030202020304" pitchFamily="34" charset="0"/>
+                <a:cs typeface="Clear Sans" panose="020B0503030202020304" pitchFamily="34" charset="0"/>
               </a:rPr>
               <a:t/>
             </a:r>
@@ -3045,8 +3045,8 @@
                 <a:solidFill>
                   <a:schemeClr val="tx1"/>
                 </a:solidFill>
-                <a:latin typeface="+mj-lt"/>
-                <a:cs typeface="Clear Sans Light" panose="020B0303030202020304" pitchFamily="34" charset="0"/>
+                <a:latin typeface="Clear Sans" panose="020B0503030202020304" pitchFamily="34" charset="0"/>
+                <a:cs typeface="Clear Sans" panose="020B0503030202020304" pitchFamily="34" charset="0"/>
               </a:rPr>
             </a:br>
             <a:r>
@@ -3054,8 +3054,8 @@
                 <a:solidFill>
                   <a:schemeClr val="tx1"/>
                 </a:solidFill>
-                <a:latin typeface="+mj-lt"/>
-                <a:cs typeface="Clear Sans Light" panose="020B0303030202020304" pitchFamily="34" charset="0"/>
+                <a:latin typeface="Clear Sans" panose="020B0503030202020304" pitchFamily="34" charset="0"/>
+                <a:cs typeface="Clear Sans" panose="020B0503030202020304" pitchFamily="34" charset="0"/>
               </a:rPr>
               <a:t>transformation</a:t>
             </a:r>
@@ -3064,8 +3064,8 @@
                 <a:solidFill>
                   <a:schemeClr val="tx1"/>
                 </a:solidFill>
-                <a:latin typeface="+mj-lt"/>
-                <a:cs typeface="Clear Sans Light" panose="020B0303030202020304" pitchFamily="34" charset="0"/>
+                <a:latin typeface="Clear Sans" panose="020B0503030202020304" pitchFamily="34" charset="0"/>
+                <a:cs typeface="Clear Sans" panose="020B0503030202020304" pitchFamily="34" charset="0"/>
               </a:rPr>
               <a:t> </a:t>
             </a:r>
@@ -3074,8 +3074,8 @@
                 <a:solidFill>
                   <a:schemeClr val="tx1"/>
                 </a:solidFill>
-                <a:latin typeface="+mj-lt"/>
-                <a:cs typeface="Clear Sans Light" panose="020B0303030202020304" pitchFamily="34" charset="0"/>
+                <a:latin typeface="Clear Sans" panose="020B0503030202020304" pitchFamily="34" charset="0"/>
+                <a:cs typeface="Clear Sans" panose="020B0503030202020304" pitchFamily="34" charset="0"/>
               </a:rPr>
             </a:br>
             <a:r>
@@ -3083,8 +3083,8 @@
                 <a:solidFill>
                   <a:schemeClr val="tx1"/>
                 </a:solidFill>
-                <a:latin typeface="+mj-lt"/>
-                <a:cs typeface="Clear Sans Light" panose="020B0303030202020304" pitchFamily="34" charset="0"/>
+                <a:latin typeface="Clear Sans" panose="020B0503030202020304" pitchFamily="34" charset="0"/>
+                <a:cs typeface="Clear Sans" panose="020B0503030202020304" pitchFamily="34" charset="0"/>
               </a:rPr>
               <a:t>rules</a:t>
             </a:r>
@@ -3092,8 +3092,8 @@
               <a:solidFill>
                 <a:schemeClr val="tx1"/>
               </a:solidFill>
-              <a:latin typeface="+mj-lt"/>
-              <a:cs typeface="Clear Sans Light" panose="020B0303030202020304" pitchFamily="34" charset="0"/>
+              <a:latin typeface="Clear Sans" panose="020B0503030202020304" pitchFamily="34" charset="0"/>
+              <a:cs typeface="Clear Sans" panose="020B0503030202020304" pitchFamily="34" charset="0"/>
             </a:endParaRPr>
           </a:p>
         </p:txBody>
@@ -3142,28 +3142,28 @@
             <a:pPr algn="ctr"/>
             <a:r>
               <a:rPr lang="hu-HU" sz="2000" dirty="0" err="1" smtClean="0">
-                <a:latin typeface="+mj-lt"/>
-                <a:cs typeface="Clear Sans Light" panose="020B0303030202020304" pitchFamily="34" charset="0"/>
+                <a:latin typeface="Clear Sans" panose="020B0503030202020304" pitchFamily="34" charset="0"/>
+                <a:cs typeface="Clear Sans" panose="020B0503030202020304" pitchFamily="34" charset="0"/>
               </a:rPr>
               <a:t>source</a:t>
             </a:r>
             <a:r>
               <a:rPr lang="hu-HU" sz="2000" dirty="0" smtClean="0">
-                <a:latin typeface="+mj-lt"/>
-                <a:cs typeface="Clear Sans Light" panose="020B0303030202020304" pitchFamily="34" charset="0"/>
+                <a:latin typeface="Clear Sans" panose="020B0503030202020304" pitchFamily="34" charset="0"/>
+                <a:cs typeface="Clear Sans" panose="020B0503030202020304" pitchFamily="34" charset="0"/>
               </a:rPr>
               <a:t> </a:t>
             </a:r>
             <a:r>
               <a:rPr lang="hu-HU" sz="2000" dirty="0" err="1" smtClean="0">
-                <a:latin typeface="+mj-lt"/>
-                <a:cs typeface="Clear Sans Light" panose="020B0303030202020304" pitchFamily="34" charset="0"/>
+                <a:latin typeface="Clear Sans" panose="020B0503030202020304" pitchFamily="34" charset="0"/>
+                <a:cs typeface="Clear Sans" panose="020B0503030202020304" pitchFamily="34" charset="0"/>
               </a:rPr>
               <a:t>code</a:t>
             </a:r>
             <a:endParaRPr lang="hu-HU" sz="2000" dirty="0">
-              <a:latin typeface="+mj-lt"/>
-              <a:cs typeface="Clear Sans Light" panose="020B0303030202020304" pitchFamily="34" charset="0"/>
+              <a:latin typeface="Clear Sans" panose="020B0503030202020304" pitchFamily="34" charset="0"/>
+              <a:cs typeface="Clear Sans" panose="020B0503030202020304" pitchFamily="34" charset="0"/>
             </a:endParaRPr>
           </a:p>
         </p:txBody>
@@ -3224,8 +3224,8 @@
                 <a:solidFill>
                   <a:schemeClr val="tx1"/>
                 </a:solidFill>
-                <a:latin typeface="+mj-lt"/>
-                <a:cs typeface="Clear Sans Light" panose="020B0303030202020304" pitchFamily="34" charset="0"/>
+                <a:latin typeface="Clear Sans" panose="020B0503030202020304" pitchFamily="34" charset="0"/>
+                <a:cs typeface="Clear Sans" panose="020B0503030202020304" pitchFamily="34" charset="0"/>
               </a:rPr>
               <a:t>IncQuery</a:t>
             </a:r>
@@ -3234,8 +3234,8 @@
                 <a:solidFill>
                   <a:schemeClr val="tx1"/>
                 </a:solidFill>
-                <a:latin typeface="+mj-lt"/>
-                <a:cs typeface="Clear Sans Light" panose="020B0303030202020304" pitchFamily="34" charset="0"/>
+                <a:latin typeface="Clear Sans" panose="020B0503030202020304" pitchFamily="34" charset="0"/>
+                <a:cs typeface="Clear Sans" panose="020B0503030202020304" pitchFamily="34" charset="0"/>
               </a:rPr>
               <a:t/>
             </a:r>
@@ -3244,8 +3244,8 @@
                 <a:solidFill>
                   <a:schemeClr val="tx1"/>
                 </a:solidFill>
-                <a:latin typeface="+mj-lt"/>
-                <a:cs typeface="Clear Sans Light" panose="020B0303030202020304" pitchFamily="34" charset="0"/>
+                <a:latin typeface="Clear Sans" panose="020B0503030202020304" pitchFamily="34" charset="0"/>
+                <a:cs typeface="Clear Sans" panose="020B0503030202020304" pitchFamily="34" charset="0"/>
               </a:rPr>
             </a:br>
             <a:r>
@@ -3253,8 +3253,8 @@
                 <a:solidFill>
                   <a:schemeClr val="tx1"/>
                 </a:solidFill>
-                <a:latin typeface="+mj-lt"/>
-                <a:cs typeface="Clear Sans Light" panose="020B0303030202020304" pitchFamily="34" charset="0"/>
+                <a:latin typeface="Clear Sans" panose="020B0503030202020304" pitchFamily="34" charset="0"/>
+                <a:cs typeface="Clear Sans" panose="020B0503030202020304" pitchFamily="34" charset="0"/>
               </a:rPr>
               <a:t>patterns</a:t>
             </a:r>
@@ -3262,8 +3262,8 @@
               <a:solidFill>
                 <a:schemeClr val="tx1"/>
               </a:solidFill>
-              <a:latin typeface="+mj-lt"/>
-              <a:cs typeface="Clear Sans Light" panose="020B0303030202020304" pitchFamily="34" charset="0"/>
+              <a:latin typeface="Clear Sans" panose="020B0503030202020304" pitchFamily="34" charset="0"/>
+              <a:cs typeface="Clear Sans" panose="020B0503030202020304" pitchFamily="34" charset="0"/>
             </a:endParaRPr>
           </a:p>
         </p:txBody>
@@ -3318,8 +3318,8 @@
               <a:solidFill>
                 <a:schemeClr val="tx1"/>
               </a:solidFill>
-              <a:latin typeface="+mj-lt"/>
-              <a:cs typeface="Clear Sans Light" panose="020B0303030202020304" pitchFamily="34" charset="0"/>
+              <a:latin typeface="Clear Sans" panose="020B0503030202020304" pitchFamily="34" charset="0"/>
+              <a:cs typeface="Clear Sans" panose="020B0503030202020304" pitchFamily="34" charset="0"/>
             </a:endParaRPr>
           </a:p>
         </p:txBody>
@@ -3374,8 +3374,8 @@
               <a:solidFill>
                 <a:schemeClr val="tx1"/>
               </a:solidFill>
-              <a:latin typeface="+mj-lt"/>
-              <a:cs typeface="Clear Sans Light" panose="020B0303030202020304" pitchFamily="34" charset="0"/>
+              <a:latin typeface="Clear Sans" panose="020B0503030202020304" pitchFamily="34" charset="0"/>
+              <a:cs typeface="Clear Sans" panose="020B0503030202020304" pitchFamily="34" charset="0"/>
             </a:endParaRPr>
           </a:p>
         </p:txBody>
@@ -3426,14 +3426,14 @@
             <a:pPr algn="ctr"/>
             <a:r>
               <a:rPr lang="hu-HU" sz="2000" dirty="0" smtClean="0">
-                <a:latin typeface="+mj-lt"/>
-                <a:cs typeface="Clear Sans Light" panose="020B0303030202020304" pitchFamily="34" charset="0"/>
+                <a:latin typeface="Clear Sans" panose="020B0503030202020304" pitchFamily="34" charset="0"/>
+                <a:cs typeface="Clear Sans" panose="020B0503030202020304" pitchFamily="34" charset="0"/>
               </a:rPr>
               <a:t>PG</a:t>
             </a:r>
             <a:endParaRPr lang="hu-HU" sz="2000" dirty="0">
-              <a:latin typeface="+mj-lt"/>
-              <a:cs typeface="Clear Sans Light" panose="020B0303030202020304" pitchFamily="34" charset="0"/>
+              <a:latin typeface="Clear Sans" panose="020B0503030202020304" pitchFamily="34" charset="0"/>
+              <a:cs typeface="Clear Sans" panose="020B0503030202020304" pitchFamily="34" charset="0"/>
             </a:endParaRPr>
           </a:p>
         </p:txBody>
@@ -3484,27 +3484,27 @@
             <a:pPr algn="ctr"/>
             <a:r>
               <a:rPr lang="hu-HU" sz="2000" dirty="0" smtClean="0">
-                <a:latin typeface="+mj-lt"/>
-                <a:cs typeface="Clear Sans Light" panose="020B0303030202020304" pitchFamily="34" charset="0"/>
+                <a:latin typeface="Clear Sans" panose="020B0503030202020304" pitchFamily="34" charset="0"/>
+                <a:cs typeface="Clear Sans" panose="020B0503030202020304" pitchFamily="34" charset="0"/>
               </a:rPr>
               <a:t>JDT</a:t>
             </a:r>
             <a:br>
               <a:rPr lang="hu-HU" sz="2000" dirty="0" smtClean="0">
-                <a:latin typeface="+mj-lt"/>
-                <a:cs typeface="Clear Sans Light" panose="020B0303030202020304" pitchFamily="34" charset="0"/>
+                <a:latin typeface="Clear Sans" panose="020B0503030202020304" pitchFamily="34" charset="0"/>
+                <a:cs typeface="Clear Sans" panose="020B0503030202020304" pitchFamily="34" charset="0"/>
               </a:rPr>
             </a:br>
             <a:r>
               <a:rPr lang="hu-HU" sz="2000" dirty="0" smtClean="0">
-                <a:latin typeface="+mj-lt"/>
-                <a:cs typeface="Clear Sans Light" panose="020B0303030202020304" pitchFamily="34" charset="0"/>
+                <a:latin typeface="Clear Sans" panose="020B0503030202020304" pitchFamily="34" charset="0"/>
+                <a:cs typeface="Clear Sans" panose="020B0503030202020304" pitchFamily="34" charset="0"/>
               </a:rPr>
               <a:t>ASG</a:t>
             </a:r>
             <a:endParaRPr lang="hu-HU" sz="2000" dirty="0">
-              <a:latin typeface="+mj-lt"/>
-              <a:cs typeface="Clear Sans Light" panose="020B0303030202020304" pitchFamily="34" charset="0"/>
+              <a:latin typeface="Clear Sans" panose="020B0503030202020304" pitchFamily="34" charset="0"/>
+              <a:cs typeface="Clear Sans" panose="020B0503030202020304" pitchFamily="34" charset="0"/>
             </a:endParaRPr>
           </a:p>
         </p:txBody>
@@ -3553,14 +3553,14 @@
             <a:pPr algn="ctr"/>
             <a:r>
               <a:rPr lang="hu-HU" sz="2000" dirty="0" smtClean="0">
-                <a:latin typeface="+mj-lt"/>
-                <a:cs typeface="Clear Sans Light" panose="020B0303030202020304" pitchFamily="34" charset="0"/>
+                <a:latin typeface="Clear Sans" panose="020B0503030202020304" pitchFamily="34" charset="0"/>
+                <a:cs typeface="Clear Sans" panose="020B0503030202020304" pitchFamily="34" charset="0"/>
               </a:rPr>
               <a:t>JDT</a:t>
             </a:r>
             <a:endParaRPr lang="hu-HU" sz="2000" dirty="0">
-              <a:latin typeface="+mj-lt"/>
-              <a:cs typeface="Clear Sans Light" panose="020B0303030202020304" pitchFamily="34" charset="0"/>
+              <a:latin typeface="Clear Sans" panose="020B0503030202020304" pitchFamily="34" charset="0"/>
+              <a:cs typeface="Clear Sans" panose="020B0503030202020304" pitchFamily="34" charset="0"/>
             </a:endParaRPr>
           </a:p>
         </p:txBody>
@@ -3611,8 +3611,8 @@
               <a:solidFill>
                 <a:schemeClr val="tx1"/>
               </a:solidFill>
-              <a:latin typeface="+mj-lt"/>
-              <a:cs typeface="Clear Sans Light" panose="020B0303030202020304" pitchFamily="34" charset="0"/>
+              <a:latin typeface="Clear Sans" panose="020B0503030202020304" pitchFamily="34" charset="0"/>
+              <a:cs typeface="Clear Sans" panose="020B0503030202020304" pitchFamily="34" charset="0"/>
             </a:endParaRPr>
           </a:p>
         </p:txBody>
@@ -3666,7 +3666,8 @@
                 <a:solidFill>
                   <a:schemeClr val="tx1"/>
                 </a:solidFill>
-                <a:latin typeface="+mj-lt"/>
+                <a:latin typeface="Clear Sans" panose="020B0503030202020304" pitchFamily="34" charset="0"/>
+                <a:cs typeface="Clear Sans" panose="020B0503030202020304" pitchFamily="34" charset="0"/>
               </a:rPr>
               <a:t>1</a:t>
             </a:r>
@@ -3674,7 +3675,8 @@
               <a:solidFill>
                 <a:schemeClr val="tx1"/>
               </a:solidFill>
-              <a:latin typeface="+mj-lt"/>
+              <a:latin typeface="Clear Sans" panose="020B0503030202020304" pitchFamily="34" charset="0"/>
+              <a:cs typeface="Clear Sans" panose="020B0503030202020304" pitchFamily="34" charset="0"/>
             </a:endParaRPr>
           </a:p>
         </p:txBody>
@@ -3728,7 +3730,8 @@
                 <a:solidFill>
                   <a:schemeClr val="tx1"/>
                 </a:solidFill>
-                <a:latin typeface="+mj-lt"/>
+                <a:latin typeface="Clear Sans" panose="020B0503030202020304" pitchFamily="34" charset="0"/>
+                <a:cs typeface="Clear Sans" panose="020B0503030202020304" pitchFamily="34" charset="0"/>
               </a:rPr>
               <a:t>2</a:t>
             </a:r>
@@ -3736,7 +3739,8 @@
               <a:solidFill>
                 <a:schemeClr val="tx1"/>
               </a:solidFill>
-              <a:latin typeface="+mj-lt"/>
+              <a:latin typeface="Clear Sans" panose="020B0503030202020304" pitchFamily="34" charset="0"/>
+              <a:cs typeface="Clear Sans" panose="020B0503030202020304" pitchFamily="34" charset="0"/>
             </a:endParaRPr>
           </a:p>
         </p:txBody>
@@ -3790,7 +3794,8 @@
                 <a:solidFill>
                   <a:schemeClr val="tx1"/>
                 </a:solidFill>
-                <a:latin typeface="+mj-lt"/>
+                <a:latin typeface="Clear Sans" panose="020B0503030202020304" pitchFamily="34" charset="0"/>
+                <a:cs typeface="Clear Sans" panose="020B0503030202020304" pitchFamily="34" charset="0"/>
               </a:rPr>
               <a:t>3</a:t>
             </a:r>
@@ -3798,7 +3803,8 @@
               <a:solidFill>
                 <a:schemeClr val="tx1"/>
               </a:solidFill>
-              <a:latin typeface="+mj-lt"/>
+              <a:latin typeface="Clear Sans" panose="020B0503030202020304" pitchFamily="34" charset="0"/>
+              <a:cs typeface="Clear Sans" panose="020B0503030202020304" pitchFamily="34" charset="0"/>
             </a:endParaRPr>
           </a:p>
         </p:txBody>
@@ -3852,7 +3858,8 @@
                 <a:solidFill>
                   <a:schemeClr val="tx1"/>
                 </a:solidFill>
-                <a:latin typeface="+mj-lt"/>
+                <a:latin typeface="Clear Sans" panose="020B0503030202020304" pitchFamily="34" charset="0"/>
+                <a:cs typeface="Clear Sans" panose="020B0503030202020304" pitchFamily="34" charset="0"/>
               </a:rPr>
               <a:t>4</a:t>
             </a:r>
@@ -3860,7 +3867,8 @@
               <a:solidFill>
                 <a:schemeClr val="tx1"/>
               </a:solidFill>
-              <a:latin typeface="+mj-lt"/>
+              <a:latin typeface="Clear Sans" panose="020B0503030202020304" pitchFamily="34" charset="0"/>
+              <a:cs typeface="Clear Sans" panose="020B0503030202020304" pitchFamily="34" charset="0"/>
             </a:endParaRPr>
           </a:p>
         </p:txBody>
@@ -3914,7 +3922,8 @@
                 <a:solidFill>
                   <a:schemeClr val="tx1"/>
                 </a:solidFill>
-                <a:latin typeface="+mj-lt"/>
+                <a:latin typeface="Clear Sans" panose="020B0503030202020304" pitchFamily="34" charset="0"/>
+                <a:cs typeface="Clear Sans" panose="020B0503030202020304" pitchFamily="34" charset="0"/>
               </a:rPr>
               <a:t>5</a:t>
             </a:r>
@@ -3922,7 +3931,8 @@
               <a:solidFill>
                 <a:schemeClr val="tx1"/>
               </a:solidFill>
-              <a:latin typeface="+mj-lt"/>
+              <a:latin typeface="Clear Sans" panose="020B0503030202020304" pitchFamily="34" charset="0"/>
+              <a:cs typeface="Clear Sans" panose="020B0503030202020304" pitchFamily="34" charset="0"/>
             </a:endParaRPr>
           </a:p>
         </p:txBody>
